--- a/ESG_Slides.pptx
+++ b/ESG_Slides.pptx
@@ -9552,7 +9552,7 @@
         </p:nvSpPr>
         <p:spPr>
           <a:xfrm>
-            <a:off x="0" y="1560513"/>
+            <a:off x="464457" y="1596799"/>
             <a:ext cx="7505700" cy="2878137"/>
           </a:xfrm>
           <a:prstGeom prst="rect">

--- a/ESG_Slides.pptx
+++ b/ESG_Slides.pptx
@@ -835,11 +835,7 @@
               </a:spcAft>
               <a:buNone/>
             </a:pPr>
-            <a:r>
-              <a:rPr lang="en"/>
-              <a:t>Alyssa: Intro: Our team name is the 5Doppelgangers and our team members are Kayla, Raquel, Jennifer, Yolanda</a:t>
-            </a:r>
-            <a:endParaRPr/>
+            <a:endParaRPr dirty="0"/>
           </a:p>
         </p:txBody>
       </p:sp>
@@ -1047,11 +1043,7 @@
               </a:spcAft>
               <a:buNone/>
             </a:pPr>
-            <a:r>
-              <a:rPr lang="en"/>
-              <a:t>Alyssa: quickly cover briefly over what tools we used</a:t>
-            </a:r>
-            <a:endParaRPr/>
+            <a:endParaRPr dirty="0"/>
           </a:p>
         </p:txBody>
       </p:sp>
@@ -1155,11 +1147,7 @@
               </a:spcAft>
               <a:buNone/>
             </a:pPr>
-            <a:r>
-              <a:rPr lang="en"/>
-              <a:t>Similar to slide 17</a:t>
-            </a:r>
-            <a:endParaRPr/>
+            <a:endParaRPr dirty="0"/>
           </a:p>
         </p:txBody>
       </p:sp>
@@ -1372,11 +1360,7 @@
               </a:spcAft>
               <a:buNone/>
             </a:pPr>
-            <a:r>
-              <a:rPr lang="en"/>
-              <a:t>Alyssa: talk about the topic</a:t>
-            </a:r>
-            <a:endParaRPr/>
+            <a:endParaRPr dirty="0"/>
           </a:p>
         </p:txBody>
       </p:sp>
@@ -1480,11 +1464,7 @@
               </a:spcAft>
               <a:buNone/>
             </a:pPr>
-            <a:r>
-              <a:rPr lang="en"/>
-              <a:t>Alyssa: Talk about why we picked this topic</a:t>
-            </a:r>
-            <a:endParaRPr/>
+            <a:endParaRPr dirty="0"/>
           </a:p>
         </p:txBody>
       </p:sp>
@@ -1588,11 +1568,7 @@
               </a:spcAft>
               <a:buNone/>
             </a:pPr>
-            <a:r>
-              <a:rPr lang="en"/>
-              <a:t>Alyssa: Talk about how we got the data source from Kaggle</a:t>
-            </a:r>
-            <a:endParaRPr/>
+            <a:endParaRPr dirty="0"/>
           </a:p>
         </p:txBody>
       </p:sp>
@@ -1804,11 +1780,7 @@
               </a:spcAft>
               <a:buNone/>
             </a:pPr>
-            <a:r>
-              <a:rPr lang="en"/>
-              <a:t>Kayla: The questions we hoped to answer with our data set are as follows (read from the slide) </a:t>
-            </a:r>
-            <a:endParaRPr/>
+            <a:endParaRPr dirty="0"/>
           </a:p>
         </p:txBody>
       </p:sp>
@@ -1912,62 +1884,7 @@
               </a:spcAft>
               <a:buNone/>
             </a:pPr>
-            <a:r>
-              <a:rPr lang="en"/>
-              <a:t>Yolanda: Talk about how we cleaned the data and what we did for hypothesis and splitting into training/testing. </a:t>
-            </a:r>
-            <a:endParaRPr/>
-          </a:p>
-          <a:p>
-            <a:pPr marL="457200" lvl="0" indent="-298450" algn="l" rtl="0">
-              <a:spcBef>
-                <a:spcPts val="0"/>
-              </a:spcBef>
-              <a:spcAft>
-                <a:spcPts val="0"/>
-              </a:spcAft>
-              <a:buSzPts val="1100"/>
-              <a:buChar char="●"/>
-            </a:pPr>
-            <a:r>
-              <a:rPr lang="en"/>
-              <a:t>The first steps we took towards our analysis phase was to implement good ETL processing techniques to make sure the data was clean.</a:t>
-            </a:r>
-            <a:endParaRPr/>
-          </a:p>
-          <a:p>
-            <a:pPr marL="457200" lvl="0" indent="-298450" algn="l" rtl="0">
-              <a:spcBef>
-                <a:spcPts val="0"/>
-              </a:spcBef>
-              <a:spcAft>
-                <a:spcPts val="0"/>
-              </a:spcAft>
-              <a:buSzPts val="1100"/>
-              <a:buChar char="●"/>
-            </a:pPr>
-            <a:r>
-              <a:rPr lang="en"/>
-              <a:t>We kept our analysis and model focused on mainly school type and the Starting Median Salary data since we wanted to predict a person’s initial salary after leaving college.</a:t>
-            </a:r>
-            <a:endParaRPr/>
-          </a:p>
-          <a:p>
-            <a:pPr marL="457200" lvl="0" indent="-298450" algn="l" rtl="0">
-              <a:spcBef>
-                <a:spcPts val="0"/>
-              </a:spcBef>
-              <a:spcAft>
-                <a:spcPts val="0"/>
-              </a:spcAft>
-              <a:buSzPts val="1100"/>
-              <a:buChar char="●"/>
-            </a:pPr>
-            <a:r>
-              <a:rPr lang="en"/>
-              <a:t>We used this basis as our focus into how we would train and test the data.</a:t>
-            </a:r>
-            <a:endParaRPr/>
+            <a:endParaRPr dirty="0"/>
           </a:p>
         </p:txBody>
       </p:sp>
@@ -2071,11 +1988,7 @@
               </a:spcAft>
               <a:buNone/>
             </a:pPr>
-            <a:r>
-              <a:rPr lang="en"/>
-              <a:t>Kayla: Talk about the model we chose. </a:t>
-            </a:r>
-            <a:endParaRPr/>
+            <a:endParaRPr dirty="0"/>
           </a:p>
         </p:txBody>
       </p:sp>
@@ -2179,11 +2092,7 @@
               </a:spcAft>
               <a:buNone/>
             </a:pPr>
-            <a:r>
-              <a:rPr lang="en"/>
-              <a:t>Kayla: Talk about the model we chose. </a:t>
-            </a:r>
-            <a:endParaRPr/>
+            <a:endParaRPr dirty="0"/>
           </a:p>
         </p:txBody>
       </p:sp>
@@ -8488,10 +8397,10 @@
               <a:buNone/>
             </a:pPr>
             <a:r>
-              <a:rPr lang="en"/>
-              <a:t>Final Project</a:t>
+              <a:rPr lang="en" dirty="0"/>
+              <a:t>Is your portfolio ESG sustainable?</a:t>
             </a:r>
-            <a:endParaRPr/>
+            <a:endParaRPr dirty="0"/>
           </a:p>
         </p:txBody>
       </p:sp>
@@ -9330,7 +9239,7 @@
             </a:pPr>
             <a:r>
               <a:rPr lang="en" dirty="0"/>
-              <a:t>Topic</a:t>
+              <a:t>Mission Statement</a:t>
             </a:r>
             <a:endParaRPr dirty="0"/>
           </a:p>
@@ -9533,10 +9442,10 @@
               <a:buNone/>
             </a:pPr>
             <a:r>
-              <a:rPr lang="en"/>
-              <a:t>Why did we pick this topic?</a:t>
+              <a:rPr lang="en" dirty="0"/>
+              <a:t>Why being ESG complaint effects you</a:t>
             </a:r>
-            <a:endParaRPr/>
+            <a:endParaRPr dirty="0"/>
           </a:p>
         </p:txBody>
       </p:sp>
@@ -10152,20 +10061,8 @@
           </a:p>
           <a:p>
             <a:r>
-              <a:rPr lang="en-IN" dirty="0" err="1"/>
-              <a:t>esg</a:t>
-            </a:r>
-            <a:r>
               <a:rPr lang="en-IN" dirty="0"/>
-              <a:t> table for </a:t>
-            </a:r>
-            <a:r>
-              <a:rPr lang="en-IN" dirty="0" err="1"/>
-              <a:t>esg</a:t>
-            </a:r>
-            <a:r>
-              <a:rPr lang="en-IN" dirty="0"/>
-              <a:t> data</a:t>
+              <a:t>ESG table for ESG data</a:t>
             </a:r>
           </a:p>
           <a:p>
@@ -10177,15 +10074,7 @@
           <a:p>
             <a:r>
               <a:rPr lang="en-IN" dirty="0"/>
-              <a:t>join on </a:t>
-            </a:r>
-            <a:r>
-              <a:rPr lang="en-IN" dirty="0" err="1"/>
-              <a:t>esg</a:t>
-            </a:r>
-            <a:r>
-              <a:rPr lang="en-IN" dirty="0"/>
-              <a:t> and stocks table</a:t>
+              <a:t>join on ESG and stocks table</a:t>
             </a:r>
           </a:p>
         </p:txBody>
@@ -10330,10 +10219,10 @@
               <a:buNone/>
             </a:pPr>
             <a:r>
-              <a:rPr lang="en"/>
-              <a:t>What do we hope to answer?</a:t>
+              <a:rPr lang="en" dirty="0"/>
+              <a:t>What do we hope to answer? </a:t>
             </a:r>
-            <a:endParaRPr/>
+            <a:endParaRPr dirty="0"/>
           </a:p>
         </p:txBody>
       </p:sp>
@@ -10415,7 +10304,7 @@
                   <a:srgbClr val="FFFFFF"/>
                 </a:highlight>
               </a:rPr>
-              <a:t>Are there some companies whose have a bright future in stock market doing well with ESG goals?</a:t>
+              <a:t>Is there a coorelation between stock market performance and ESG score?</a:t>
             </a:r>
             <a:endParaRPr dirty="0">
               <a:solidFill>
@@ -10450,10 +10339,10 @@
                   <a:srgbClr val="FFFFFF"/>
                 </a:highlight>
               </a:rPr>
-              <a:t>How are companies which have high ESG scores and what is th</a:t>
+              <a:t>How well do companies with high ESG scores perform and what is </a:t>
             </a:r>
             <a:r>
-              <a:rPr lang="en-IN" dirty="0" err="1">
+              <a:rPr lang="en-CA" dirty="0">
                 <a:solidFill>
                   <a:srgbClr val="24292E"/>
                 </a:solidFill>
@@ -10461,7 +10350,7 @@
                   <a:srgbClr val="FFFFFF"/>
                 </a:highlight>
               </a:rPr>
-              <a:t>ei</a:t>
+              <a:t>the </a:t>
             </a:r>
             <a:r>
               <a:rPr lang="en" dirty="0">
@@ -10472,7 +10361,7 @@
                   <a:srgbClr val="FFFFFF"/>
                 </a:highlight>
               </a:rPr>
-              <a:t>r perception?</a:t>
+              <a:t>perception of these companies?</a:t>
             </a:r>
           </a:p>
           <a:p>
@@ -10492,7 +10381,7 @@
                   <a:srgbClr val="FFFFFF"/>
                 </a:highlight>
               </a:rPr>
-              <a:t>Can we create a portfolio of  the stocks that will do well in future as well as work towards ensuring that we all have a better future in a few years from now by being sustainable?</a:t>
+              <a:t>Can we create a stock portfolio that will perform well and  be ESG sustainable?</a:t>
             </a:r>
           </a:p>
           <a:p>

--- a/ESG_Slides.pptx
+++ b/ESG_Slides.pptx
@@ -5,7 +5,7 @@
     <p:sldMasterId id="2147483659" r:id="rId1"/>
   </p:sldMasterIdLst>
   <p:notesMasterIdLst>
-    <p:notesMasterId r:id="rId15"/>
+    <p:notesMasterId r:id="rId16"/>
   </p:notesMasterIdLst>
   <p:sldIdLst>
     <p:sldId id="256" r:id="rId2"/>
@@ -20,38 +20,39 @@
     <p:sldId id="264" r:id="rId11"/>
     <p:sldId id="272" r:id="rId12"/>
     <p:sldId id="273" r:id="rId13"/>
-    <p:sldId id="277" r:id="rId14"/>
+    <p:sldId id="279" r:id="rId14"/>
+    <p:sldId id="277" r:id="rId15"/>
   </p:sldIdLst>
   <p:sldSz cx="9144000" cy="5143500" type="screen16x9"/>
   <p:notesSz cx="6858000" cy="9144000"/>
   <p:embeddedFontLst>
     <p:embeddedFont>
       <p:font typeface="Calibri" panose="020F0502020204030204" pitchFamily="34" charset="0"/>
-      <p:regular r:id="rId16"/>
-      <p:bold r:id="rId17"/>
-      <p:italic r:id="rId18"/>
-      <p:boldItalic r:id="rId19"/>
+      <p:regular r:id="rId17"/>
+      <p:bold r:id="rId18"/>
+      <p:italic r:id="rId19"/>
+      <p:boldItalic r:id="rId20"/>
     </p:embeddedFont>
     <p:embeddedFont>
       <p:font typeface="Lato" panose="020F0502020204030203" pitchFamily="34" charset="0"/>
-      <p:regular r:id="rId20"/>
-      <p:bold r:id="rId21"/>
-      <p:italic r:id="rId22"/>
-      <p:boldItalic r:id="rId23"/>
+      <p:regular r:id="rId21"/>
+      <p:bold r:id="rId22"/>
+      <p:italic r:id="rId23"/>
+      <p:boldItalic r:id="rId24"/>
     </p:embeddedFont>
     <p:embeddedFont>
       <p:font typeface="Nunito" pitchFamily="2" charset="0"/>
-      <p:regular r:id="rId24"/>
-      <p:bold r:id="rId25"/>
-      <p:italic r:id="rId26"/>
-      <p:boldItalic r:id="rId27"/>
+      <p:regular r:id="rId25"/>
+      <p:bold r:id="rId26"/>
+      <p:italic r:id="rId27"/>
+      <p:boldItalic r:id="rId28"/>
     </p:embeddedFont>
     <p:embeddedFont>
       <p:font typeface="open sans" panose="020B0606030504020204" pitchFamily="34" charset="0"/>
-      <p:regular r:id="rId28"/>
-      <p:bold r:id="rId29"/>
-      <p:italic r:id="rId30"/>
-      <p:boldItalic r:id="rId31"/>
+      <p:regular r:id="rId29"/>
+      <p:bold r:id="rId30"/>
+      <p:italic r:id="rId31"/>
+      <p:boldItalic r:id="rId32"/>
     </p:embeddedFont>
   </p:embeddedFontLst>
   <p:defaultTextStyle>
@@ -9206,6 +9207,137 @@
   <p:cSld>
     <p:spTree>
       <p:nvGrpSpPr>
+        <p:cNvPr id="1" name=""/>
+        <p:cNvGrpSpPr/>
+        <p:nvPr/>
+      </p:nvGrpSpPr>
+      <p:grpSpPr>
+        <a:xfrm>
+          <a:off x="0" y="0"/>
+          <a:ext cx="0" cy="0"/>
+          <a:chOff x="0" y="0"/>
+          <a:chExt cx="0" cy="0"/>
+        </a:xfrm>
+      </p:grpSpPr>
+      <p:sp>
+        <p:nvSpPr>
+          <p:cNvPr id="2" name="Title 1">
+            <a:extLst>
+              <a:ext uri="{FF2B5EF4-FFF2-40B4-BE49-F238E27FC236}">
+                <a16:creationId xmlns:a16="http://schemas.microsoft.com/office/drawing/2014/main" id="{A77CEB95-55FB-4D62-8623-8B9E887398C1}"/>
+              </a:ext>
+            </a:extLst>
+          </p:cNvPr>
+          <p:cNvSpPr>
+            <a:spLocks noGrp="1"/>
+          </p:cNvSpPr>
+          <p:nvPr>
+            <p:ph type="title"/>
+          </p:nvPr>
+        </p:nvSpPr>
+        <p:spPr/>
+        <p:txBody>
+          <a:bodyPr/>
+          <a:lstStyle/>
+          <a:p>
+            <a:r>
+              <a:rPr lang="en-IN" dirty="0"/>
+              <a:t>Roles of team members</a:t>
+            </a:r>
+          </a:p>
+        </p:txBody>
+      </p:sp>
+      <p:sp>
+        <p:nvSpPr>
+          <p:cNvPr id="3" name="Text Placeholder 2">
+            <a:extLst>
+              <a:ext uri="{FF2B5EF4-FFF2-40B4-BE49-F238E27FC236}">
+                <a16:creationId xmlns:a16="http://schemas.microsoft.com/office/drawing/2014/main" id="{0B1F1491-1066-4A8B-B44B-006181BDA333}"/>
+              </a:ext>
+            </a:extLst>
+          </p:cNvPr>
+          <p:cNvSpPr>
+            <a:spLocks noGrp="1"/>
+          </p:cNvSpPr>
+          <p:nvPr>
+            <p:ph type="body" idx="1"/>
+          </p:nvPr>
+        </p:nvSpPr>
+        <p:spPr/>
+        <p:txBody>
+          <a:bodyPr/>
+          <a:lstStyle/>
+          <a:p>
+            <a:r>
+              <a:rPr lang="en-IN" dirty="0"/>
+              <a:t>Square Role  - Monica </a:t>
+            </a:r>
+            <a:r>
+              <a:rPr lang="en-IN" dirty="0" err="1"/>
+              <a:t>Dodds</a:t>
+            </a:r>
+            <a:endParaRPr lang="en-IN" dirty="0"/>
+          </a:p>
+          <a:p>
+            <a:r>
+              <a:rPr lang="en-IN" dirty="0"/>
+              <a:t>Triangle Role - </a:t>
+            </a:r>
+            <a:r>
+              <a:rPr lang="en-IN" dirty="0" err="1"/>
+              <a:t>Yicong</a:t>
+            </a:r>
+            <a:r>
+              <a:rPr lang="en-IN" dirty="0"/>
+              <a:t> Luo</a:t>
+            </a:r>
+          </a:p>
+          <a:p>
+            <a:r>
+              <a:rPr lang="en-IN" dirty="0"/>
+              <a:t>Circle Role - Sachin </a:t>
+            </a:r>
+            <a:r>
+              <a:rPr lang="en-IN" dirty="0" err="1"/>
+              <a:t>Nabbar</a:t>
+            </a:r>
+            <a:endParaRPr lang="en-IN" dirty="0"/>
+          </a:p>
+          <a:p>
+            <a:r>
+              <a:rPr lang="en-IN" dirty="0"/>
+              <a:t>X Role – </a:t>
+            </a:r>
+            <a:r>
+              <a:rPr lang="en-IN" dirty="0" err="1"/>
+              <a:t>Sucharita</a:t>
+            </a:r>
+            <a:r>
+              <a:rPr lang="en-IN"/>
+              <a:t> Bhattacharjee</a:t>
+            </a:r>
+            <a:endParaRPr lang="en-IN" dirty="0"/>
+          </a:p>
+        </p:txBody>
+      </p:sp>
+    </p:spTree>
+    <p:extLst>
+      <p:ext uri="{BB962C8B-B14F-4D97-AF65-F5344CB8AC3E}">
+        <p14:creationId xmlns:p14="http://schemas.microsoft.com/office/powerpoint/2010/main" val="2954721221"/>
+      </p:ext>
+    </p:extLst>
+  </p:cSld>
+  <p:clrMapOvr>
+    <a:masterClrMapping/>
+  </p:clrMapOvr>
+</p:sld>
+</file>
+
+<file path=ppt/slides/slide14.xml><?xml version="1.0" encoding="utf-8"?>
+<p:sld xmlns:a="http://schemas.openxmlformats.org/drawingml/2006/main" xmlns:r="http://schemas.openxmlformats.org/officeDocument/2006/relationships" xmlns:p="http://schemas.openxmlformats.org/presentationml/2006/main">
+  <p:cSld>
+    <p:spTree>
+      <p:nvGrpSpPr>
         <p:cNvPr id="1" name="Shape 176"/>
         <p:cNvGrpSpPr/>
         <p:nvPr/>

--- a/ESG_Slides.pptx
+++ b/ESG_Slides.pptx
@@ -11,9 +11,9 @@
     <p:sldId id="256" r:id="rId2"/>
     <p:sldId id="257" r:id="rId3"/>
     <p:sldId id="258" r:id="rId4"/>
-    <p:sldId id="259" r:id="rId5"/>
-    <p:sldId id="260" r:id="rId6"/>
-    <p:sldId id="261" r:id="rId7"/>
+    <p:sldId id="261" r:id="rId5"/>
+    <p:sldId id="259" r:id="rId6"/>
+    <p:sldId id="260" r:id="rId7"/>
     <p:sldId id="262" r:id="rId8"/>
     <p:sldId id="263" r:id="rId9"/>
     <p:sldId id="278" r:id="rId10"/>
@@ -939,7 +939,7 @@
               </a:spcAft>
               <a:buNone/>
             </a:pPr>
-            <a:endParaRPr/>
+            <a:endParaRPr dirty="0"/>
           </a:p>
         </p:txBody>
       </p:sp>
@@ -1251,7 +1251,7 @@
               </a:spcAft>
               <a:buNone/>
             </a:pPr>
-            <a:endParaRPr/>
+            <a:endParaRPr dirty="0"/>
           </a:p>
         </p:txBody>
       </p:sp>
@@ -1481,6 +1481,110 @@
   <p:cSld>
     <p:spTree>
       <p:nvGrpSpPr>
+        <p:cNvPr id="1" name="Shape 155"/>
+        <p:cNvGrpSpPr/>
+        <p:nvPr/>
+      </p:nvGrpSpPr>
+      <p:grpSpPr>
+        <a:xfrm>
+          <a:off x="0" y="0"/>
+          <a:ext cx="0" cy="0"/>
+          <a:chOff x="0" y="0"/>
+          <a:chExt cx="0" cy="0"/>
+        </a:xfrm>
+      </p:grpSpPr>
+      <p:sp>
+        <p:nvSpPr>
+          <p:cNvPr id="156" name="Google Shape;156;gb071edfe65_1_538:notes"/>
+          <p:cNvSpPr>
+            <a:spLocks noGrp="1" noRot="1" noChangeAspect="1"/>
+          </p:cNvSpPr>
+          <p:nvPr>
+            <p:ph type="sldImg" idx="2"/>
+          </p:nvPr>
+        </p:nvSpPr>
+        <p:spPr>
+          <a:xfrm>
+            <a:off x="381000" y="685800"/>
+            <a:ext cx="6096000" cy="3429000"/>
+          </a:xfrm>
+          <a:custGeom>
+            <a:avLst/>
+            <a:gdLst/>
+            <a:ahLst/>
+            <a:cxnLst/>
+            <a:rect l="l" t="t" r="r" b="b"/>
+            <a:pathLst>
+              <a:path w="120000" h="120000" extrusionOk="0">
+                <a:moveTo>
+                  <a:pt x="0" y="0"/>
+                </a:moveTo>
+                <a:lnTo>
+                  <a:pt x="120000" y="0"/>
+                </a:lnTo>
+                <a:lnTo>
+                  <a:pt x="120000" y="120000"/>
+                </a:lnTo>
+                <a:lnTo>
+                  <a:pt x="0" y="120000"/>
+                </a:lnTo>
+                <a:close/>
+              </a:path>
+            </a:pathLst>
+          </a:custGeom>
+        </p:spPr>
+      </p:sp>
+      <p:sp>
+        <p:nvSpPr>
+          <p:cNvPr id="157" name="Google Shape;157;gb071edfe65_1_538:notes"/>
+          <p:cNvSpPr txBox="1">
+            <a:spLocks noGrp="1"/>
+          </p:cNvSpPr>
+          <p:nvPr>
+            <p:ph type="body" idx="1"/>
+          </p:nvPr>
+        </p:nvSpPr>
+        <p:spPr>
+          <a:xfrm>
+            <a:off x="685800" y="4343400"/>
+            <a:ext cx="5486400" cy="4114800"/>
+          </a:xfrm>
+          <a:prstGeom prst="rect">
+            <a:avLst/>
+          </a:prstGeom>
+        </p:spPr>
+        <p:txBody>
+          <a:bodyPr spcFirstLastPara="1" wrap="square" lIns="91425" tIns="91425" rIns="91425" bIns="91425" anchor="t" anchorCtr="0">
+            <a:noAutofit/>
+          </a:bodyPr>
+          <a:lstStyle/>
+          <a:p>
+            <a:pPr marL="0" lvl="0" indent="0" algn="l" rtl="0">
+              <a:spcBef>
+                <a:spcPts val="0"/>
+              </a:spcBef>
+              <a:spcAft>
+                <a:spcPts val="0"/>
+              </a:spcAft>
+              <a:buNone/>
+            </a:pPr>
+            <a:endParaRPr dirty="0"/>
+          </a:p>
+        </p:txBody>
+      </p:sp>
+    </p:spTree>
+  </p:cSld>
+  <p:clrMapOvr>
+    <a:masterClrMapping/>
+  </p:clrMapOvr>
+</p:notes>
+</file>
+
+<file path=ppt/notesSlides/notesSlide5.xml><?xml version="1.0" encoding="utf-8"?>
+<p:notes xmlns:a="http://schemas.openxmlformats.org/drawingml/2006/main" xmlns:r="http://schemas.openxmlformats.org/officeDocument/2006/relationships" xmlns:p="http://schemas.openxmlformats.org/presentationml/2006/main" showMasterSp="0" showMasterPhAnim="0">
+  <p:cSld>
+    <p:spTree>
+      <p:nvGrpSpPr>
         <p:cNvPr id="1" name="Shape 141"/>
         <p:cNvGrpSpPr/>
         <p:nvPr/>
@@ -1580,7 +1684,7 @@
 </p:notes>
 </file>
 
-<file path=ppt/notesSlides/notesSlide5.xml><?xml version="1.0" encoding="utf-8"?>
+<file path=ppt/notesSlides/notesSlide6.xml><?xml version="1.0" encoding="utf-8"?>
 <p:notes xmlns:a="http://schemas.openxmlformats.org/drawingml/2006/main" xmlns:r="http://schemas.openxmlformats.org/officeDocument/2006/relationships" xmlns:p="http://schemas.openxmlformats.org/presentationml/2006/main" showMasterSp="0" showMasterPhAnim="0">
   <p:cSld>
     <p:spTree>
@@ -1676,110 +1780,6 @@
               <a:rPr lang="en"/>
               <a:t>Raquel: We looked at relationship between data and mapped it out in ERD diagram on quickdatabasediagrams.com and we used this information to determine primary keys and whatnot. </a:t>
             </a:r>
-            <a:endParaRPr/>
-          </a:p>
-        </p:txBody>
-      </p:sp>
-    </p:spTree>
-  </p:cSld>
-  <p:clrMapOvr>
-    <a:masterClrMapping/>
-  </p:clrMapOvr>
-</p:notes>
-</file>
-
-<file path=ppt/notesSlides/notesSlide6.xml><?xml version="1.0" encoding="utf-8"?>
-<p:notes xmlns:a="http://schemas.openxmlformats.org/drawingml/2006/main" xmlns:r="http://schemas.openxmlformats.org/officeDocument/2006/relationships" xmlns:p="http://schemas.openxmlformats.org/presentationml/2006/main" showMasterSp="0" showMasterPhAnim="0">
-  <p:cSld>
-    <p:spTree>
-      <p:nvGrpSpPr>
-        <p:cNvPr id="1" name="Shape 155"/>
-        <p:cNvGrpSpPr/>
-        <p:nvPr/>
-      </p:nvGrpSpPr>
-      <p:grpSpPr>
-        <a:xfrm>
-          <a:off x="0" y="0"/>
-          <a:ext cx="0" cy="0"/>
-          <a:chOff x="0" y="0"/>
-          <a:chExt cx="0" cy="0"/>
-        </a:xfrm>
-      </p:grpSpPr>
-      <p:sp>
-        <p:nvSpPr>
-          <p:cNvPr id="156" name="Google Shape;156;gb071edfe65_1_538:notes"/>
-          <p:cNvSpPr>
-            <a:spLocks noGrp="1" noRot="1" noChangeAspect="1"/>
-          </p:cNvSpPr>
-          <p:nvPr>
-            <p:ph type="sldImg" idx="2"/>
-          </p:nvPr>
-        </p:nvSpPr>
-        <p:spPr>
-          <a:xfrm>
-            <a:off x="381000" y="685800"/>
-            <a:ext cx="6096000" cy="3429000"/>
-          </a:xfrm>
-          <a:custGeom>
-            <a:avLst/>
-            <a:gdLst/>
-            <a:ahLst/>
-            <a:cxnLst/>
-            <a:rect l="l" t="t" r="r" b="b"/>
-            <a:pathLst>
-              <a:path w="120000" h="120000" extrusionOk="0">
-                <a:moveTo>
-                  <a:pt x="0" y="0"/>
-                </a:moveTo>
-                <a:lnTo>
-                  <a:pt x="120000" y="0"/>
-                </a:lnTo>
-                <a:lnTo>
-                  <a:pt x="120000" y="120000"/>
-                </a:lnTo>
-                <a:lnTo>
-                  <a:pt x="0" y="120000"/>
-                </a:lnTo>
-                <a:close/>
-              </a:path>
-            </a:pathLst>
-          </a:custGeom>
-        </p:spPr>
-      </p:sp>
-      <p:sp>
-        <p:nvSpPr>
-          <p:cNvPr id="157" name="Google Shape;157;gb071edfe65_1_538:notes"/>
-          <p:cNvSpPr txBox="1">
-            <a:spLocks noGrp="1"/>
-          </p:cNvSpPr>
-          <p:nvPr>
-            <p:ph type="body" idx="1"/>
-          </p:nvPr>
-        </p:nvSpPr>
-        <p:spPr>
-          <a:xfrm>
-            <a:off x="685800" y="4343400"/>
-            <a:ext cx="5486400" cy="4114800"/>
-          </a:xfrm>
-          <a:prstGeom prst="rect">
-            <a:avLst/>
-          </a:prstGeom>
-        </p:spPr>
-        <p:txBody>
-          <a:bodyPr spcFirstLastPara="1" wrap="square" lIns="91425" tIns="91425" rIns="91425" bIns="91425" anchor="t" anchorCtr="0">
-            <a:noAutofit/>
-          </a:bodyPr>
-          <a:lstStyle/>
-          <a:p>
-            <a:pPr marL="0" lvl="0" indent="0" algn="l" rtl="0">
-              <a:spcBef>
-                <a:spcPts val="0"/>
-              </a:spcBef>
-              <a:spcAft>
-                <a:spcPts val="0"/>
-              </a:spcAft>
-              <a:buNone/>
-            </a:pPr>
             <a:endParaRPr dirty="0"/>
           </a:p>
         </p:txBody>
@@ -2170,7 +2170,7 @@
               </a:spcAft>
               <a:buNone/>
             </a:pPr>
-            <a:endParaRPr/>
+            <a:endParaRPr dirty="0"/>
           </a:p>
         </p:txBody>
       </p:sp>
@@ -2210,7 +2210,7 @@
               </a:spcAft>
               <a:buNone/>
             </a:pPr>
-            <a:endParaRPr/>
+            <a:endParaRPr dirty="0"/>
           </a:p>
         </p:txBody>
       </p:sp>
@@ -2250,7 +2250,7 @@
               </a:spcAft>
               <a:buNone/>
             </a:pPr>
-            <a:endParaRPr/>
+            <a:endParaRPr dirty="0"/>
           </a:p>
         </p:txBody>
       </p:sp>
@@ -2297,7 +2297,7 @@
               </a:spcAft>
               <a:buNone/>
             </a:pPr>
-            <a:endParaRPr/>
+            <a:endParaRPr dirty="0"/>
           </a:p>
         </p:txBody>
       </p:sp>
@@ -2353,7 +2353,7 @@
                 </a:spcAft>
                 <a:buNone/>
               </a:pPr>
-              <a:endParaRPr/>
+              <a:endParaRPr dirty="0"/>
             </a:p>
           </p:txBody>
         </p:sp>
@@ -2395,7 +2395,7 @@
                 </a:spcAft>
                 <a:buNone/>
               </a:pPr>
-              <a:endParaRPr/>
+              <a:endParaRPr dirty="0"/>
             </a:p>
           </p:txBody>
         </p:sp>
@@ -2437,7 +2437,7 @@
                 </a:spcAft>
                 <a:buNone/>
               </a:pPr>
-              <a:endParaRPr/>
+              <a:endParaRPr dirty="0"/>
             </a:p>
           </p:txBody>
         </p:sp>
@@ -2494,7 +2494,7 @@
                 </a:spcAft>
                 <a:buNone/>
               </a:pPr>
-              <a:endParaRPr/>
+              <a:endParaRPr dirty="0"/>
             </a:p>
           </p:txBody>
         </p:sp>
@@ -2536,7 +2536,7 @@
                 </a:spcAft>
                 <a:buNone/>
               </a:pPr>
-              <a:endParaRPr/>
+              <a:endParaRPr dirty="0"/>
             </a:p>
           </p:txBody>
         </p:sp>
@@ -2578,7 +2578,7 @@
                 </a:spcAft>
                 <a:buNone/>
               </a:pPr>
-              <a:endParaRPr/>
+              <a:endParaRPr dirty="0"/>
             </a:p>
           </p:txBody>
         </p:sp>
@@ -2635,7 +2635,7 @@
                 </a:spcAft>
                 <a:buNone/>
               </a:pPr>
-              <a:endParaRPr/>
+              <a:endParaRPr dirty="0"/>
             </a:p>
           </p:txBody>
         </p:sp>
@@ -2677,7 +2677,7 @@
                 </a:spcAft>
                 <a:buNone/>
               </a:pPr>
-              <a:endParaRPr/>
+              <a:endParaRPr dirty="0"/>
             </a:p>
           </p:txBody>
         </p:sp>
@@ -2719,7 +2719,7 @@
                 </a:spcAft>
                 <a:buNone/>
               </a:pPr>
-              <a:endParaRPr/>
+              <a:endParaRPr dirty="0"/>
             </a:p>
           </p:txBody>
         </p:sp>
@@ -2776,7 +2776,7 @@
                 </a:spcAft>
                 <a:buNone/>
               </a:pPr>
-              <a:endParaRPr/>
+              <a:endParaRPr dirty="0"/>
             </a:p>
           </p:txBody>
         </p:sp>
@@ -2818,7 +2818,7 @@
                 </a:spcAft>
                 <a:buNone/>
               </a:pPr>
-              <a:endParaRPr/>
+              <a:endParaRPr dirty="0"/>
             </a:p>
           </p:txBody>
         </p:sp>
@@ -2860,7 +2860,7 @@
                 </a:spcAft>
                 <a:buNone/>
               </a:pPr>
-              <a:endParaRPr/>
+              <a:endParaRPr dirty="0"/>
             </a:p>
           </p:txBody>
         </p:sp>
@@ -2917,7 +2917,7 @@
                 </a:spcAft>
                 <a:buNone/>
               </a:pPr>
-              <a:endParaRPr/>
+              <a:endParaRPr dirty="0"/>
             </a:p>
           </p:txBody>
         </p:sp>
@@ -2959,7 +2959,7 @@
                 </a:spcAft>
                 <a:buNone/>
               </a:pPr>
-              <a:endParaRPr/>
+              <a:endParaRPr dirty="0"/>
             </a:p>
           </p:txBody>
         </p:sp>
@@ -3001,7 +3001,7 @@
                 </a:spcAft>
                 <a:buNone/>
               </a:pPr>
-              <a:endParaRPr/>
+              <a:endParaRPr dirty="0"/>
             </a:p>
           </p:txBody>
         </p:sp>
@@ -3429,7 +3429,7 @@
               <a:rPr lang="en"/>
               <a:t>‹#›</a:t>
             </a:fld>
-            <a:endParaRPr/>
+            <a:endParaRPr dirty="0"/>
           </a:p>
         </p:txBody>
       </p:sp>
@@ -3502,7 +3502,7 @@
               </a:spcAft>
               <a:buNone/>
             </a:pPr>
-            <a:endParaRPr/>
+            <a:endParaRPr dirty="0"/>
           </a:p>
         </p:txBody>
       </p:sp>
@@ -3558,7 +3558,7 @@
                 </a:spcAft>
                 <a:buNone/>
               </a:pPr>
-              <a:endParaRPr/>
+              <a:endParaRPr dirty="0"/>
             </a:p>
           </p:txBody>
         </p:sp>
@@ -3600,7 +3600,7 @@
                 </a:spcAft>
                 <a:buNone/>
               </a:pPr>
-              <a:endParaRPr/>
+              <a:endParaRPr dirty="0"/>
             </a:p>
           </p:txBody>
         </p:sp>
@@ -3642,7 +3642,7 @@
                 </a:spcAft>
                 <a:buNone/>
               </a:pPr>
-              <a:endParaRPr/>
+              <a:endParaRPr dirty="0"/>
             </a:p>
           </p:txBody>
         </p:sp>
@@ -3699,7 +3699,7 @@
                 </a:spcAft>
                 <a:buNone/>
               </a:pPr>
-              <a:endParaRPr/>
+              <a:endParaRPr dirty="0"/>
             </a:p>
           </p:txBody>
         </p:sp>
@@ -3741,7 +3741,7 @@
                 </a:spcAft>
                 <a:buNone/>
               </a:pPr>
-              <a:endParaRPr/>
+              <a:endParaRPr dirty="0"/>
             </a:p>
           </p:txBody>
         </p:sp>
@@ -3783,7 +3783,7 @@
                 </a:spcAft>
                 <a:buNone/>
               </a:pPr>
-              <a:endParaRPr/>
+              <a:endParaRPr dirty="0"/>
             </a:p>
           </p:txBody>
         </p:sp>
@@ -4055,7 +4055,7 @@
               <a:rPr lang="en"/>
               <a:t>‹#›</a:t>
             </a:fld>
-            <a:endParaRPr/>
+            <a:endParaRPr dirty="0"/>
           </a:p>
         </p:txBody>
       </p:sp>
@@ -4128,7 +4128,7 @@
               </a:spcAft>
               <a:buNone/>
             </a:pPr>
-            <a:endParaRPr/>
+            <a:endParaRPr dirty="0"/>
           </a:p>
         </p:txBody>
       </p:sp>
@@ -4168,7 +4168,7 @@
               </a:spcAft>
               <a:buNone/>
             </a:pPr>
-            <a:endParaRPr/>
+            <a:endParaRPr dirty="0"/>
           </a:p>
         </p:txBody>
       </p:sp>
@@ -4215,7 +4215,7 @@
               </a:spcAft>
               <a:buNone/>
             </a:pPr>
-            <a:endParaRPr/>
+            <a:endParaRPr dirty="0"/>
           </a:p>
         </p:txBody>
       </p:sp>
@@ -4552,7 +4552,7 @@
               <a:rPr lang="en"/>
               <a:t>‹#›</a:t>
             </a:fld>
-            <a:endParaRPr/>
+            <a:endParaRPr dirty="0"/>
           </a:p>
         </p:txBody>
       </p:sp>
@@ -4625,7 +4625,7 @@
               </a:spcAft>
               <a:buNone/>
             </a:pPr>
-            <a:endParaRPr/>
+            <a:endParaRPr dirty="0"/>
           </a:p>
         </p:txBody>
       </p:sp>
@@ -4665,7 +4665,7 @@
               </a:spcAft>
               <a:buNone/>
             </a:pPr>
-            <a:endParaRPr/>
+            <a:endParaRPr dirty="0"/>
           </a:p>
         </p:txBody>
       </p:sp>
@@ -4712,7 +4712,7 @@
               </a:spcAft>
               <a:buNone/>
             </a:pPr>
-            <a:endParaRPr/>
+            <a:endParaRPr dirty="0"/>
           </a:p>
         </p:txBody>
       </p:sp>
@@ -5178,7 +5178,7 @@
               <a:rPr lang="en"/>
               <a:t>‹#›</a:t>
             </a:fld>
-            <a:endParaRPr/>
+            <a:endParaRPr dirty="0"/>
           </a:p>
         </p:txBody>
       </p:sp>
@@ -5251,7 +5251,7 @@
               </a:spcAft>
               <a:buNone/>
             </a:pPr>
-            <a:endParaRPr/>
+            <a:endParaRPr dirty="0"/>
           </a:p>
         </p:txBody>
       </p:sp>
@@ -5291,7 +5291,7 @@
               </a:spcAft>
               <a:buNone/>
             </a:pPr>
-            <a:endParaRPr/>
+            <a:endParaRPr dirty="0"/>
           </a:p>
         </p:txBody>
       </p:sp>
@@ -5338,7 +5338,7 @@
               </a:spcAft>
               <a:buNone/>
             </a:pPr>
-            <a:endParaRPr/>
+            <a:endParaRPr dirty="0"/>
           </a:p>
         </p:txBody>
       </p:sp>
@@ -5546,7 +5546,7 @@
               <a:rPr lang="en"/>
               <a:t>‹#›</a:t>
             </a:fld>
-            <a:endParaRPr/>
+            <a:endParaRPr dirty="0"/>
           </a:p>
         </p:txBody>
       </p:sp>
@@ -5619,7 +5619,7 @@
               </a:spcAft>
               <a:buNone/>
             </a:pPr>
-            <a:endParaRPr/>
+            <a:endParaRPr dirty="0"/>
           </a:p>
         </p:txBody>
       </p:sp>
@@ -5659,7 +5659,7 @@
               </a:spcAft>
               <a:buNone/>
             </a:pPr>
-            <a:endParaRPr/>
+            <a:endParaRPr dirty="0"/>
           </a:p>
         </p:txBody>
       </p:sp>
@@ -5706,7 +5706,7 @@
               </a:spcAft>
               <a:buNone/>
             </a:pPr>
-            <a:endParaRPr/>
+            <a:endParaRPr dirty="0"/>
           </a:p>
         </p:txBody>
       </p:sp>
@@ -6043,7 +6043,7 @@
               <a:rPr lang="en"/>
               <a:t>‹#›</a:t>
             </a:fld>
-            <a:endParaRPr/>
+            <a:endParaRPr dirty="0"/>
           </a:p>
         </p:txBody>
       </p:sp>
@@ -6116,7 +6116,7 @@
               </a:spcAft>
               <a:buNone/>
             </a:pPr>
-            <a:endParaRPr/>
+            <a:endParaRPr dirty="0"/>
           </a:p>
         </p:txBody>
       </p:sp>
@@ -6156,7 +6156,7 @@
               </a:spcAft>
               <a:buNone/>
             </a:pPr>
-            <a:endParaRPr/>
+            <a:endParaRPr dirty="0"/>
           </a:p>
         </p:txBody>
       </p:sp>
@@ -6212,7 +6212,7 @@
                 </a:spcAft>
                 <a:buNone/>
               </a:pPr>
-              <a:endParaRPr/>
+              <a:endParaRPr dirty="0"/>
             </a:p>
           </p:txBody>
         </p:sp>
@@ -6254,7 +6254,7 @@
                 </a:spcAft>
                 <a:buNone/>
               </a:pPr>
-              <a:endParaRPr/>
+              <a:endParaRPr dirty="0"/>
             </a:p>
           </p:txBody>
         </p:sp>
@@ -6296,7 +6296,7 @@
                 </a:spcAft>
                 <a:buNone/>
               </a:pPr>
-              <a:endParaRPr/>
+              <a:endParaRPr dirty="0"/>
             </a:p>
           </p:txBody>
         </p:sp>
@@ -6344,7 +6344,7 @@
               </a:spcAft>
               <a:buNone/>
             </a:pPr>
-            <a:endParaRPr/>
+            <a:endParaRPr dirty="0"/>
           </a:p>
         </p:txBody>
       </p:sp>
@@ -6400,7 +6400,7 @@
                 </a:spcAft>
                 <a:buNone/>
               </a:pPr>
-              <a:endParaRPr/>
+              <a:endParaRPr dirty="0"/>
             </a:p>
           </p:txBody>
         </p:sp>
@@ -6442,7 +6442,7 @@
                 </a:spcAft>
                 <a:buNone/>
               </a:pPr>
-              <a:endParaRPr/>
+              <a:endParaRPr dirty="0"/>
             </a:p>
           </p:txBody>
         </p:sp>
@@ -6484,7 +6484,7 @@
                 </a:spcAft>
                 <a:buNone/>
               </a:pPr>
-              <a:endParaRPr/>
+              <a:endParaRPr dirty="0"/>
             </a:p>
           </p:txBody>
         </p:sp>
@@ -6541,7 +6541,7 @@
                 </a:spcAft>
                 <a:buNone/>
               </a:pPr>
-              <a:endParaRPr/>
+              <a:endParaRPr dirty="0"/>
             </a:p>
           </p:txBody>
         </p:sp>
@@ -6583,7 +6583,7 @@
                 </a:spcAft>
                 <a:buNone/>
               </a:pPr>
-              <a:endParaRPr/>
+              <a:endParaRPr dirty="0"/>
             </a:p>
           </p:txBody>
         </p:sp>
@@ -6625,7 +6625,7 @@
                 </a:spcAft>
                 <a:buNone/>
               </a:pPr>
-              <a:endParaRPr/>
+              <a:endParaRPr dirty="0"/>
             </a:p>
           </p:txBody>
         </p:sp>
@@ -6834,7 +6834,7 @@
               <a:rPr lang="en"/>
               <a:t>‹#›</a:t>
             </a:fld>
-            <a:endParaRPr/>
+            <a:endParaRPr dirty="0"/>
           </a:p>
         </p:txBody>
       </p:sp>
@@ -6938,7 +6938,7 @@
               <a:rPr lang="en"/>
               <a:t>‹#›</a:t>
             </a:fld>
-            <a:endParaRPr/>
+            <a:endParaRPr dirty="0"/>
           </a:p>
         </p:txBody>
       </p:sp>
@@ -7635,7 +7635,7 @@
               <a:rPr lang="en"/>
               <a:t>‹#›</a:t>
             </a:fld>
-            <a:endParaRPr/>
+            <a:endParaRPr dirty="0"/>
           </a:p>
         </p:txBody>
       </p:sp>
@@ -8542,7 +8542,7 @@
               <a:rPr lang="en"/>
               <a:t>Technologies &amp; Languages</a:t>
             </a:r>
-            <a:endParaRPr/>
+            <a:endParaRPr dirty="0"/>
           </a:p>
         </p:txBody>
       </p:sp>
@@ -8591,7 +8591,7 @@
               </a:rPr>
               <a:t>Technologies used in this project include:</a:t>
             </a:r>
-            <a:endParaRPr sz="1200">
+            <a:endParaRPr sz="1200" dirty="0">
               <a:latin typeface="Calibri"/>
               <a:ea typeface="Calibri"/>
               <a:cs typeface="Calibri"/>
@@ -8619,7 +8619,7 @@
               </a:rPr>
               <a:t>Jupyter Notebook</a:t>
             </a:r>
-            <a:endParaRPr sz="1200">
+            <a:endParaRPr sz="1200" dirty="0">
               <a:latin typeface="Calibri"/>
               <a:ea typeface="Calibri"/>
               <a:cs typeface="Calibri"/>
@@ -8647,7 +8647,7 @@
               </a:rPr>
               <a:t>Google Slides</a:t>
             </a:r>
-            <a:endParaRPr sz="1200">
+            <a:endParaRPr sz="1200" dirty="0">
               <a:latin typeface="Calibri"/>
               <a:ea typeface="Calibri"/>
               <a:cs typeface="Calibri"/>
@@ -8675,7 +8675,7 @@
               </a:rPr>
               <a:t>PGAdmin</a:t>
             </a:r>
-            <a:endParaRPr sz="1200">
+            <a:endParaRPr sz="1200" dirty="0">
               <a:latin typeface="Calibri"/>
               <a:ea typeface="Calibri"/>
               <a:cs typeface="Calibri"/>
@@ -8703,7 +8703,7 @@
               </a:rPr>
               <a:t>Tableau</a:t>
             </a:r>
-            <a:endParaRPr sz="1200">
+            <a:endParaRPr sz="1200" dirty="0">
               <a:latin typeface="Calibri"/>
               <a:ea typeface="Calibri"/>
               <a:cs typeface="Calibri"/>
@@ -8720,7 +8720,7 @@
               </a:spcAft>
               <a:buNone/>
             </a:pPr>
-            <a:endParaRPr sz="1200">
+            <a:endParaRPr sz="1200" dirty="0">
               <a:latin typeface="Calibri"/>
               <a:ea typeface="Calibri"/>
               <a:cs typeface="Calibri"/>
@@ -8748,7 +8748,7 @@
               </a:rPr>
               <a:t>Languages used in the project include:</a:t>
             </a:r>
-            <a:endParaRPr sz="1200">
+            <a:endParaRPr sz="1200" dirty="0">
               <a:latin typeface="Calibri"/>
               <a:ea typeface="Calibri"/>
               <a:cs typeface="Calibri"/>
@@ -8776,7 +8776,7 @@
               </a:rPr>
               <a:t>Python</a:t>
             </a:r>
-            <a:endParaRPr sz="1200">
+            <a:endParaRPr sz="1200" dirty="0">
               <a:latin typeface="Calibri"/>
               <a:ea typeface="Calibri"/>
               <a:cs typeface="Calibri"/>
@@ -8804,7 +8804,7 @@
               </a:rPr>
               <a:t>SQL</a:t>
             </a:r>
-            <a:endParaRPr sz="1200">
+            <a:endParaRPr sz="1200" dirty="0">
               <a:latin typeface="Calibri"/>
               <a:ea typeface="Calibri"/>
               <a:cs typeface="Calibri"/>
@@ -8876,7 +8876,7 @@
               <a:rPr lang="en"/>
               <a:t>Tools &amp; Algorithms</a:t>
             </a:r>
-            <a:endParaRPr/>
+            <a:endParaRPr dirty="0"/>
           </a:p>
         </p:txBody>
       </p:sp>
@@ -9239,7 +9239,7 @@
             </a:pPr>
             <a:r>
               <a:rPr lang="en" dirty="0"/>
-              <a:t>Mission Statement</a:t>
+              <a:t>Problem Statement</a:t>
             </a:r>
             <a:endParaRPr dirty="0"/>
           </a:p>
@@ -9267,12 +9267,9 @@
           <a:lstStyle/>
           <a:p>
             <a:pPr marL="0" indent="0">
-              <a:spcBef>
-                <a:spcPts val="1600"/>
-              </a:spcBef>
-              <a:spcAft>
-                <a:spcPts val="1600"/>
-              </a:spcAft>
+              <a:lnSpc>
+                <a:spcPct val="150000"/>
+              </a:lnSpc>
               <a:buNone/>
             </a:pPr>
             <a:r>
@@ -9284,17 +9281,43 @@
                   <a:srgbClr val="FFFFFF"/>
                 </a:highlight>
               </a:rPr>
-              <a:t>How sustainable is your portfolio? Are the companies in your portfolio enviromentally, socially , governing (ESG) good?</a:t>
+              <a:t>Environmental, Social, and Gonvernance (ESG) is hot topic for many companies today. Our Machine Learning module will help provide valuable insight into your company’s current ESG ratings and stock values compared to your competitors. Using our Dashboard you can: </a:t>
             </a:r>
           </a:p>
           <a:p>
             <a:pPr marL="285750" indent="-285750">
-              <a:spcBef>
-                <a:spcPts val="1600"/>
-              </a:spcBef>
-              <a:spcAft>
-                <a:spcPts val="1600"/>
-              </a:spcAft>
+              <a:lnSpc>
+                <a:spcPct val="150000"/>
+              </a:lnSpc>
+            </a:pPr>
+            <a:r>
+              <a:rPr lang="en-CA" dirty="0">
+                <a:solidFill>
+                  <a:srgbClr val="24292E"/>
+                </a:solidFill>
+                <a:highlight>
+                  <a:srgbClr val="FFFFFF"/>
+                </a:highlight>
+              </a:rPr>
+              <a:t>M</a:t>
+            </a:r>
+            <a:r>
+              <a:rPr lang="en" dirty="0">
+                <a:solidFill>
+                  <a:srgbClr val="24292E"/>
+                </a:solidFill>
+                <a:highlight>
+                  <a:srgbClr val="FFFFFF"/>
+                </a:highlight>
+              </a:rPr>
+              <a:t>ake a stock market prediction with an emphasis on sustainable or high ESG stocks.</a:t>
+            </a:r>
+          </a:p>
+          <a:p>
+            <a:pPr marL="285750" indent="-285750">
+              <a:lnSpc>
+                <a:spcPct val="150000"/>
+              </a:lnSpc>
             </a:pPr>
             <a:r>
               <a:rPr lang="en" dirty="0">
@@ -9305,17 +9328,14 @@
                   <a:srgbClr val="FFFFFF"/>
                 </a:highlight>
               </a:rPr>
-              <a:t>Stock market Prediction with an emphasis on sustainable or high ESG stocks.</a:t>
+              <a:t>Review a portfolio of stocks to determine who stustainable your market portfolio can be.</a:t>
             </a:r>
           </a:p>
           <a:p>
             <a:pPr marL="285750" indent="-285750">
-              <a:spcBef>
-                <a:spcPts val="1600"/>
-              </a:spcBef>
-              <a:spcAft>
-                <a:spcPts val="1600"/>
-              </a:spcAft>
+              <a:lnSpc>
+                <a:spcPct val="150000"/>
+              </a:lnSpc>
             </a:pPr>
             <a:r>
               <a:rPr lang="en" dirty="0">
@@ -9326,56 +9346,27 @@
                   <a:srgbClr val="FFFFFF"/>
                 </a:highlight>
               </a:rPr>
-              <a:t>Can our enviromental and social initiatives work togther will our profit.</a:t>
+              <a:t>Compare your stock pretections and ESG scores against your competitors.</a:t>
             </a:r>
           </a:p>
           <a:p>
             <a:pPr marL="285750" indent="-285750">
-              <a:spcBef>
-                <a:spcPts val="1600"/>
-              </a:spcBef>
-              <a:spcAft>
-                <a:spcPts val="1600"/>
-              </a:spcAft>
+              <a:lnSpc>
+                <a:spcPct val="150000"/>
+              </a:lnSpc>
             </a:pPr>
+            <a:r>
+              <a:rPr lang="en">
+                <a:solidFill>
+                  <a:srgbClr val="24292E"/>
+                </a:solidFill>
+                <a:highlight>
+                  <a:srgbClr val="FFFFFF"/>
+                </a:highlight>
+              </a:rPr>
+              <a:t>Create a profitable stock portfolio centred around possitive ESG.</a:t>
+            </a:r>
             <a:endParaRPr lang="en" dirty="0">
-              <a:solidFill>
-                <a:srgbClr val="24292E"/>
-              </a:solidFill>
-              <a:highlight>
-                <a:srgbClr val="FFFFFF"/>
-              </a:highlight>
-            </a:endParaRPr>
-          </a:p>
-          <a:p>
-            <a:pPr marL="285750" indent="-285750">
-              <a:spcBef>
-                <a:spcPts val="1600"/>
-              </a:spcBef>
-              <a:spcAft>
-                <a:spcPts val="1600"/>
-              </a:spcAft>
-            </a:pPr>
-            <a:endParaRPr lang="en" dirty="0">
-              <a:solidFill>
-                <a:srgbClr val="24292E"/>
-              </a:solidFill>
-              <a:highlight>
-                <a:srgbClr val="FFFFFF"/>
-              </a:highlight>
-            </a:endParaRPr>
-          </a:p>
-          <a:p>
-            <a:pPr marL="0" lvl="0" indent="0" algn="l" rtl="0">
-              <a:spcBef>
-                <a:spcPts val="1600"/>
-              </a:spcBef>
-              <a:spcAft>
-                <a:spcPts val="1600"/>
-              </a:spcAft>
-              <a:buNone/>
-            </a:pPr>
-            <a:endParaRPr dirty="0">
               <a:solidFill>
                 <a:srgbClr val="24292E"/>
               </a:solidFill>
@@ -9771,6 +9762,269 @@
   <p:cSld>
     <p:spTree>
       <p:nvGrpSpPr>
+        <p:cNvPr id="1" name="Shape 158"/>
+        <p:cNvGrpSpPr/>
+        <p:nvPr/>
+      </p:nvGrpSpPr>
+      <p:grpSpPr>
+        <a:xfrm>
+          <a:off x="0" y="0"/>
+          <a:ext cx="0" cy="0"/>
+          <a:chOff x="0" y="0"/>
+          <a:chExt cx="0" cy="0"/>
+        </a:xfrm>
+      </p:grpSpPr>
+      <p:sp>
+        <p:nvSpPr>
+          <p:cNvPr id="159" name="Google Shape;159;p18"/>
+          <p:cNvSpPr txBox="1">
+            <a:spLocks noGrp="1"/>
+          </p:cNvSpPr>
+          <p:nvPr>
+            <p:ph type="title"/>
+          </p:nvPr>
+        </p:nvSpPr>
+        <p:spPr>
+          <a:xfrm>
+            <a:off x="819150" y="845600"/>
+            <a:ext cx="7505700" cy="954600"/>
+          </a:xfrm>
+          <a:prstGeom prst="rect">
+            <a:avLst/>
+          </a:prstGeom>
+        </p:spPr>
+        <p:txBody>
+          <a:bodyPr spcFirstLastPara="1" wrap="square" lIns="91425" tIns="91425" rIns="91425" bIns="91425" anchor="t" anchorCtr="0">
+            <a:noAutofit/>
+          </a:bodyPr>
+          <a:lstStyle/>
+          <a:p>
+            <a:pPr marL="0" lvl="0" indent="0" algn="l" rtl="0">
+              <a:spcBef>
+                <a:spcPts val="0"/>
+              </a:spcBef>
+              <a:spcAft>
+                <a:spcPts val="0"/>
+              </a:spcAft>
+              <a:buNone/>
+            </a:pPr>
+            <a:r>
+              <a:rPr lang="en" dirty="0"/>
+              <a:t>What do we hope to answer? </a:t>
+            </a:r>
+            <a:endParaRPr dirty="0"/>
+          </a:p>
+        </p:txBody>
+      </p:sp>
+      <p:sp>
+        <p:nvSpPr>
+          <p:cNvPr id="160" name="Google Shape;160;p18"/>
+          <p:cNvSpPr txBox="1">
+            <a:spLocks noGrp="1"/>
+          </p:cNvSpPr>
+          <p:nvPr>
+            <p:ph type="body" idx="1"/>
+          </p:nvPr>
+        </p:nvSpPr>
+        <p:spPr>
+          <a:xfrm>
+            <a:off x="819150" y="1990725"/>
+            <a:ext cx="7505700" cy="2448000"/>
+          </a:xfrm>
+          <a:prstGeom prst="rect">
+            <a:avLst/>
+          </a:prstGeom>
+        </p:spPr>
+        <p:txBody>
+          <a:bodyPr spcFirstLastPara="1" wrap="square" lIns="91425" tIns="91425" rIns="91425" bIns="91425" anchor="t" anchorCtr="0">
+            <a:noAutofit/>
+          </a:bodyPr>
+          <a:lstStyle/>
+          <a:p>
+            <a:pPr marL="0" lvl="0" indent="0" algn="l" rtl="0">
+              <a:spcBef>
+                <a:spcPts val="0"/>
+              </a:spcBef>
+              <a:spcAft>
+                <a:spcPts val="0"/>
+              </a:spcAft>
+              <a:buNone/>
+            </a:pPr>
+            <a:r>
+              <a:rPr lang="en" dirty="0">
+                <a:solidFill>
+                  <a:srgbClr val="24292E"/>
+                </a:solidFill>
+                <a:highlight>
+                  <a:srgbClr val="FFFFFF"/>
+                </a:highlight>
+              </a:rPr>
+              <a:t>Questions that we hope to answer with the data include, but are not limited to, the following:</a:t>
+            </a:r>
+            <a:endParaRPr dirty="0">
+              <a:solidFill>
+                <a:srgbClr val="24292E"/>
+              </a:solidFill>
+              <a:highlight>
+                <a:srgbClr val="FFFFFF"/>
+              </a:highlight>
+            </a:endParaRPr>
+          </a:p>
+          <a:p>
+            <a:pPr marL="457200" lvl="0" indent="-311150" algn="l" rtl="0">
+              <a:spcBef>
+                <a:spcPts val="1200"/>
+              </a:spcBef>
+              <a:spcAft>
+                <a:spcPts val="0"/>
+              </a:spcAft>
+              <a:buClr>
+                <a:srgbClr val="24292E"/>
+              </a:buClr>
+              <a:buSzPts val="1300"/>
+              <a:buFont typeface="Calibri"/>
+              <a:buAutoNum type="arabicPeriod"/>
+            </a:pPr>
+            <a:r>
+              <a:rPr lang="en" dirty="0">
+                <a:solidFill>
+                  <a:srgbClr val="24292E"/>
+                </a:solidFill>
+                <a:highlight>
+                  <a:srgbClr val="FFFFFF"/>
+                </a:highlight>
+              </a:rPr>
+              <a:t>Is there a coorelation between stock market performance and ESG score?</a:t>
+            </a:r>
+            <a:endParaRPr dirty="0">
+              <a:solidFill>
+                <a:srgbClr val="24292E"/>
+              </a:solidFill>
+              <a:highlight>
+                <a:srgbClr val="FFFFFF"/>
+              </a:highlight>
+            </a:endParaRPr>
+          </a:p>
+          <a:p>
+            <a:pPr marL="457200" lvl="0" indent="-311150" algn="l" rtl="0">
+              <a:spcBef>
+                <a:spcPts val="0"/>
+              </a:spcBef>
+              <a:spcAft>
+                <a:spcPts val="0"/>
+              </a:spcAft>
+              <a:buClr>
+                <a:srgbClr val="24292E"/>
+              </a:buClr>
+              <a:buSzPts val="1300"/>
+              <a:buFont typeface="Calibri"/>
+              <a:buAutoNum type="arabicPeriod"/>
+            </a:pPr>
+            <a:r>
+              <a:rPr lang="en" dirty="0">
+                <a:solidFill>
+                  <a:srgbClr val="24292E"/>
+                </a:solidFill>
+                <a:highlight>
+                  <a:srgbClr val="FFFFFF"/>
+                </a:highlight>
+              </a:rPr>
+              <a:t>How well do companies with high ESG scores perform and what is </a:t>
+            </a:r>
+            <a:r>
+              <a:rPr lang="en-CA" dirty="0">
+                <a:solidFill>
+                  <a:srgbClr val="24292E"/>
+                </a:solidFill>
+                <a:highlight>
+                  <a:srgbClr val="FFFFFF"/>
+                </a:highlight>
+              </a:rPr>
+              <a:t>the </a:t>
+            </a:r>
+            <a:r>
+              <a:rPr lang="en" dirty="0">
+                <a:solidFill>
+                  <a:srgbClr val="24292E"/>
+                </a:solidFill>
+                <a:highlight>
+                  <a:srgbClr val="FFFFFF"/>
+                </a:highlight>
+              </a:rPr>
+              <a:t>perception of these companies?</a:t>
+            </a:r>
+          </a:p>
+          <a:p>
+            <a:pPr>
+              <a:buClr>
+                <a:srgbClr val="24292E"/>
+              </a:buClr>
+              <a:buFont typeface="Calibri"/>
+              <a:buAutoNum type="arabicPeriod"/>
+            </a:pPr>
+            <a:r>
+              <a:rPr lang="en-US" dirty="0">
+                <a:solidFill>
+                  <a:srgbClr val="24292E"/>
+                </a:solidFill>
+                <a:highlight>
+                  <a:srgbClr val="FFFFFF"/>
+                </a:highlight>
+              </a:rPr>
+              <a:t>Can we create a stock portfolio that will perform well and  be ESG sustainable?</a:t>
+            </a:r>
+          </a:p>
+          <a:p>
+            <a:pPr marL="457200" lvl="0" indent="-311150" algn="l" rtl="0">
+              <a:spcBef>
+                <a:spcPts val="0"/>
+              </a:spcBef>
+              <a:spcAft>
+                <a:spcPts val="0"/>
+              </a:spcAft>
+              <a:buClr>
+                <a:srgbClr val="24292E"/>
+              </a:buClr>
+              <a:buSzPts val="1300"/>
+              <a:buFont typeface="Calibri"/>
+              <a:buAutoNum type="arabicPeriod"/>
+            </a:pPr>
+            <a:endParaRPr dirty="0">
+              <a:solidFill>
+                <a:srgbClr val="24292E"/>
+              </a:solidFill>
+              <a:highlight>
+                <a:srgbClr val="FFFFFF"/>
+              </a:highlight>
+            </a:endParaRPr>
+          </a:p>
+          <a:p>
+            <a:pPr marL="0" lvl="0" indent="0" algn="l" rtl="0">
+              <a:spcBef>
+                <a:spcPts val="1200"/>
+              </a:spcBef>
+              <a:spcAft>
+                <a:spcPts val="1600"/>
+              </a:spcAft>
+              <a:buNone/>
+            </a:pPr>
+            <a:endParaRPr dirty="0"/>
+          </a:p>
+        </p:txBody>
+      </p:sp>
+    </p:spTree>
+  </p:cSld>
+  <p:clrMapOvr>
+    <a:masterClrMapping/>
+  </p:clrMapOvr>
+</p:sld>
+</file>
+
+<file path=ppt/slides/slide5.xml><?xml version="1.0" encoding="utf-8"?>
+<p:sld xmlns:a="http://schemas.openxmlformats.org/drawingml/2006/main" xmlns:r="http://schemas.openxmlformats.org/officeDocument/2006/relationships" xmlns:p="http://schemas.openxmlformats.org/presentationml/2006/main">
+  <p:cSld>
+    <p:spTree>
+      <p:nvGrpSpPr>
         <p:cNvPr id="1" name="Shape 144"/>
         <p:cNvGrpSpPr/>
         <p:nvPr/>
@@ -9901,7 +10155,7 @@
                   <a:srgbClr val="FFFFFF"/>
                 </a:highlight>
               </a:rPr>
-              <a:t>Where we scrapped the sustainabilty parameters like environment, social, even public sentiment  from marketbeat for various stocks which have been rated highly based on their ESG initiatives.</a:t>
+              <a:t>Where we scrapped the sustainability parameters like environment, social, even public sentiment  from marketbeat for various stocks which have been rated highly based on their ESG initiatives.</a:t>
             </a:r>
           </a:p>
           <a:p>
@@ -9928,7 +10182,7 @@
                   <a:srgbClr val="FFFFFF"/>
                 </a:highlight>
               </a:rPr>
-              <a:t>Collected the time series historical data on stocks going back five years using Yahoo Finance to predict the stock prises using machine learning.</a:t>
+              <a:t>Collected the time series historical data on stocks going back five years using Yahoo Finance to predict the stock prices using machine learning.</a:t>
             </a:r>
             <a:endParaRPr dirty="0">
               <a:solidFill>
@@ -9968,7 +10222,7 @@
 </p:sld>
 </file>
 
-<file path=ppt/slides/slide5.xml><?xml version="1.0" encoding="utf-8"?>
+<file path=ppt/slides/slide6.xml><?xml version="1.0" encoding="utf-8"?>
 <p:sld xmlns:a="http://schemas.openxmlformats.org/drawingml/2006/main" xmlns:r="http://schemas.openxmlformats.org/officeDocument/2006/relationships" xmlns:p="http://schemas.openxmlformats.org/presentationml/2006/main">
   <p:cSld>
     <p:spTree>
@@ -10159,269 +10413,6 @@
           </a:prstGeom>
         </p:spPr>
       </p:pic>
-    </p:spTree>
-  </p:cSld>
-  <p:clrMapOvr>
-    <a:masterClrMapping/>
-  </p:clrMapOvr>
-</p:sld>
-</file>
-
-<file path=ppt/slides/slide6.xml><?xml version="1.0" encoding="utf-8"?>
-<p:sld xmlns:a="http://schemas.openxmlformats.org/drawingml/2006/main" xmlns:r="http://schemas.openxmlformats.org/officeDocument/2006/relationships" xmlns:p="http://schemas.openxmlformats.org/presentationml/2006/main">
-  <p:cSld>
-    <p:spTree>
-      <p:nvGrpSpPr>
-        <p:cNvPr id="1" name="Shape 158"/>
-        <p:cNvGrpSpPr/>
-        <p:nvPr/>
-      </p:nvGrpSpPr>
-      <p:grpSpPr>
-        <a:xfrm>
-          <a:off x="0" y="0"/>
-          <a:ext cx="0" cy="0"/>
-          <a:chOff x="0" y="0"/>
-          <a:chExt cx="0" cy="0"/>
-        </a:xfrm>
-      </p:grpSpPr>
-      <p:sp>
-        <p:nvSpPr>
-          <p:cNvPr id="159" name="Google Shape;159;p18"/>
-          <p:cNvSpPr txBox="1">
-            <a:spLocks noGrp="1"/>
-          </p:cNvSpPr>
-          <p:nvPr>
-            <p:ph type="title"/>
-          </p:nvPr>
-        </p:nvSpPr>
-        <p:spPr>
-          <a:xfrm>
-            <a:off x="819150" y="845600"/>
-            <a:ext cx="7505700" cy="954600"/>
-          </a:xfrm>
-          <a:prstGeom prst="rect">
-            <a:avLst/>
-          </a:prstGeom>
-        </p:spPr>
-        <p:txBody>
-          <a:bodyPr spcFirstLastPara="1" wrap="square" lIns="91425" tIns="91425" rIns="91425" bIns="91425" anchor="t" anchorCtr="0">
-            <a:noAutofit/>
-          </a:bodyPr>
-          <a:lstStyle/>
-          <a:p>
-            <a:pPr marL="0" lvl="0" indent="0" algn="l" rtl="0">
-              <a:spcBef>
-                <a:spcPts val="0"/>
-              </a:spcBef>
-              <a:spcAft>
-                <a:spcPts val="0"/>
-              </a:spcAft>
-              <a:buNone/>
-            </a:pPr>
-            <a:r>
-              <a:rPr lang="en" dirty="0"/>
-              <a:t>What do we hope to answer? </a:t>
-            </a:r>
-            <a:endParaRPr dirty="0"/>
-          </a:p>
-        </p:txBody>
-      </p:sp>
-      <p:sp>
-        <p:nvSpPr>
-          <p:cNvPr id="160" name="Google Shape;160;p18"/>
-          <p:cNvSpPr txBox="1">
-            <a:spLocks noGrp="1"/>
-          </p:cNvSpPr>
-          <p:nvPr>
-            <p:ph type="body" idx="1"/>
-          </p:nvPr>
-        </p:nvSpPr>
-        <p:spPr>
-          <a:xfrm>
-            <a:off x="819150" y="1990725"/>
-            <a:ext cx="7505700" cy="2448000"/>
-          </a:xfrm>
-          <a:prstGeom prst="rect">
-            <a:avLst/>
-          </a:prstGeom>
-        </p:spPr>
-        <p:txBody>
-          <a:bodyPr spcFirstLastPara="1" wrap="square" lIns="91425" tIns="91425" rIns="91425" bIns="91425" anchor="t" anchorCtr="0">
-            <a:noAutofit/>
-          </a:bodyPr>
-          <a:lstStyle/>
-          <a:p>
-            <a:pPr marL="0" lvl="0" indent="0" algn="l" rtl="0">
-              <a:spcBef>
-                <a:spcPts val="0"/>
-              </a:spcBef>
-              <a:spcAft>
-                <a:spcPts val="0"/>
-              </a:spcAft>
-              <a:buNone/>
-            </a:pPr>
-            <a:r>
-              <a:rPr lang="en" dirty="0">
-                <a:solidFill>
-                  <a:srgbClr val="24292E"/>
-                </a:solidFill>
-                <a:highlight>
-                  <a:srgbClr val="FFFFFF"/>
-                </a:highlight>
-              </a:rPr>
-              <a:t>Questions that we hope to answer with the data include, but are not limited to, the following:</a:t>
-            </a:r>
-            <a:endParaRPr dirty="0">
-              <a:solidFill>
-                <a:srgbClr val="24292E"/>
-              </a:solidFill>
-              <a:highlight>
-                <a:srgbClr val="FFFFFF"/>
-              </a:highlight>
-            </a:endParaRPr>
-          </a:p>
-          <a:p>
-            <a:pPr marL="457200" lvl="0" indent="-311150" algn="l" rtl="0">
-              <a:spcBef>
-                <a:spcPts val="1200"/>
-              </a:spcBef>
-              <a:spcAft>
-                <a:spcPts val="0"/>
-              </a:spcAft>
-              <a:buClr>
-                <a:srgbClr val="24292E"/>
-              </a:buClr>
-              <a:buSzPts val="1300"/>
-              <a:buFont typeface="Calibri"/>
-              <a:buAutoNum type="arabicPeriod"/>
-            </a:pPr>
-            <a:r>
-              <a:rPr lang="en" dirty="0">
-                <a:solidFill>
-                  <a:srgbClr val="24292E"/>
-                </a:solidFill>
-                <a:highlight>
-                  <a:srgbClr val="FFFFFF"/>
-                </a:highlight>
-              </a:rPr>
-              <a:t>Is there a coorelation between stock market performance and ESG score?</a:t>
-            </a:r>
-            <a:endParaRPr dirty="0">
-              <a:solidFill>
-                <a:srgbClr val="24292E"/>
-              </a:solidFill>
-              <a:highlight>
-                <a:srgbClr val="FFFFFF"/>
-              </a:highlight>
-            </a:endParaRPr>
-          </a:p>
-          <a:p>
-            <a:pPr marL="457200" lvl="0" indent="-311150" algn="l" rtl="0">
-              <a:spcBef>
-                <a:spcPts val="0"/>
-              </a:spcBef>
-              <a:spcAft>
-                <a:spcPts val="0"/>
-              </a:spcAft>
-              <a:buClr>
-                <a:srgbClr val="24292E"/>
-              </a:buClr>
-              <a:buSzPts val="1300"/>
-              <a:buFont typeface="Calibri"/>
-              <a:buAutoNum type="arabicPeriod"/>
-            </a:pPr>
-            <a:r>
-              <a:rPr lang="en" dirty="0">
-                <a:solidFill>
-                  <a:srgbClr val="24292E"/>
-                </a:solidFill>
-                <a:highlight>
-                  <a:srgbClr val="FFFFFF"/>
-                </a:highlight>
-              </a:rPr>
-              <a:t>How well do companies with high ESG scores perform and what is </a:t>
-            </a:r>
-            <a:r>
-              <a:rPr lang="en-CA" dirty="0">
-                <a:solidFill>
-                  <a:srgbClr val="24292E"/>
-                </a:solidFill>
-                <a:highlight>
-                  <a:srgbClr val="FFFFFF"/>
-                </a:highlight>
-              </a:rPr>
-              <a:t>the </a:t>
-            </a:r>
-            <a:r>
-              <a:rPr lang="en" dirty="0">
-                <a:solidFill>
-                  <a:srgbClr val="24292E"/>
-                </a:solidFill>
-                <a:highlight>
-                  <a:srgbClr val="FFFFFF"/>
-                </a:highlight>
-              </a:rPr>
-              <a:t>perception of these companies?</a:t>
-            </a:r>
-          </a:p>
-          <a:p>
-            <a:pPr>
-              <a:buClr>
-                <a:srgbClr val="24292E"/>
-              </a:buClr>
-              <a:buFont typeface="Calibri"/>
-              <a:buAutoNum type="arabicPeriod"/>
-            </a:pPr>
-            <a:r>
-              <a:rPr lang="en-US" dirty="0">
-                <a:solidFill>
-                  <a:srgbClr val="24292E"/>
-                </a:solidFill>
-                <a:highlight>
-                  <a:srgbClr val="FFFFFF"/>
-                </a:highlight>
-              </a:rPr>
-              <a:t>Can we create a stock portfolio that will perform well and  be ESG sustainable?</a:t>
-            </a:r>
-          </a:p>
-          <a:p>
-            <a:pPr marL="457200" lvl="0" indent="-311150" algn="l" rtl="0">
-              <a:spcBef>
-                <a:spcPts val="0"/>
-              </a:spcBef>
-              <a:spcAft>
-                <a:spcPts val="0"/>
-              </a:spcAft>
-              <a:buClr>
-                <a:srgbClr val="24292E"/>
-              </a:buClr>
-              <a:buSzPts val="1300"/>
-              <a:buFont typeface="Calibri"/>
-              <a:buAutoNum type="arabicPeriod"/>
-            </a:pPr>
-            <a:endParaRPr dirty="0">
-              <a:solidFill>
-                <a:srgbClr val="24292E"/>
-              </a:solidFill>
-              <a:highlight>
-                <a:srgbClr val="FFFFFF"/>
-              </a:highlight>
-            </a:endParaRPr>
-          </a:p>
-          <a:p>
-            <a:pPr marL="0" lvl="0" indent="0" algn="l" rtl="0">
-              <a:spcBef>
-                <a:spcPts val="1200"/>
-              </a:spcBef>
-              <a:spcAft>
-                <a:spcPts val="1600"/>
-              </a:spcAft>
-              <a:buNone/>
-            </a:pPr>
-            <a:endParaRPr dirty="0"/>
-          </a:p>
-        </p:txBody>
-      </p:sp>
     </p:spTree>
   </p:cSld>
   <p:clrMapOvr>

--- a/ESG_Slides.pptx
+++ b/ESG_Slides.pptx
@@ -5,7 +5,7 @@
     <p:sldMasterId id="2147483659" r:id="rId1"/>
   </p:sldMasterIdLst>
   <p:notesMasterIdLst>
-    <p:notesMasterId r:id="rId15"/>
+    <p:notesMasterId r:id="rId16"/>
   </p:notesMasterIdLst>
   <p:sldIdLst>
     <p:sldId id="256" r:id="rId2"/>
@@ -20,38 +20,39 @@
     <p:sldId id="264" r:id="rId11"/>
     <p:sldId id="272" r:id="rId12"/>
     <p:sldId id="273" r:id="rId13"/>
-    <p:sldId id="277" r:id="rId14"/>
+    <p:sldId id="279" r:id="rId14"/>
+    <p:sldId id="277" r:id="rId15"/>
   </p:sldIdLst>
   <p:sldSz cx="9144000" cy="5143500" type="screen16x9"/>
   <p:notesSz cx="6858000" cy="9144000"/>
   <p:embeddedFontLst>
     <p:embeddedFont>
       <p:font typeface="Calibri" panose="020F0502020204030204" pitchFamily="34" charset="0"/>
-      <p:regular r:id="rId16"/>
-      <p:bold r:id="rId17"/>
-      <p:italic r:id="rId18"/>
-      <p:boldItalic r:id="rId19"/>
+      <p:regular r:id="rId17"/>
+      <p:bold r:id="rId18"/>
+      <p:italic r:id="rId19"/>
+      <p:boldItalic r:id="rId20"/>
     </p:embeddedFont>
     <p:embeddedFont>
       <p:font typeface="Lato" panose="020F0502020204030203" pitchFamily="34" charset="0"/>
-      <p:regular r:id="rId20"/>
-      <p:bold r:id="rId21"/>
-      <p:italic r:id="rId22"/>
-      <p:boldItalic r:id="rId23"/>
+      <p:regular r:id="rId21"/>
+      <p:bold r:id="rId22"/>
+      <p:italic r:id="rId23"/>
+      <p:boldItalic r:id="rId24"/>
     </p:embeddedFont>
     <p:embeddedFont>
       <p:font typeface="Nunito" pitchFamily="2" charset="0"/>
-      <p:regular r:id="rId24"/>
-      <p:bold r:id="rId25"/>
-      <p:italic r:id="rId26"/>
-      <p:boldItalic r:id="rId27"/>
+      <p:regular r:id="rId25"/>
+      <p:bold r:id="rId26"/>
+      <p:italic r:id="rId27"/>
+      <p:boldItalic r:id="rId28"/>
     </p:embeddedFont>
     <p:embeddedFont>
       <p:font typeface="open sans" panose="020B0606030504020204" pitchFamily="34" charset="0"/>
-      <p:regular r:id="rId28"/>
-      <p:bold r:id="rId29"/>
-      <p:italic r:id="rId30"/>
-      <p:boldItalic r:id="rId31"/>
+      <p:regular r:id="rId29"/>
+      <p:bold r:id="rId30"/>
+      <p:italic r:id="rId31"/>
+      <p:boldItalic r:id="rId32"/>
     </p:embeddedFont>
   </p:embeddedFontLst>
   <p:defaultTextStyle>
@@ -1160,6 +1161,115 @@
 </file>
 
 <file path=ppt/notesSlides/notesSlide13.xml><?xml version="1.0" encoding="utf-8"?>
+<p:notes xmlns:a="http://schemas.openxmlformats.org/drawingml/2006/main" xmlns:r="http://schemas.openxmlformats.org/officeDocument/2006/relationships" xmlns:p="http://schemas.openxmlformats.org/presentationml/2006/main" showMasterSp="0" showMasterPhAnim="0">
+  <p:cSld>
+    <p:spTree>
+      <p:nvGrpSpPr>
+        <p:cNvPr id="1" name="Shape 239"/>
+        <p:cNvGrpSpPr/>
+        <p:nvPr/>
+      </p:nvGrpSpPr>
+      <p:grpSpPr>
+        <a:xfrm>
+          <a:off x="0" y="0"/>
+          <a:ext cx="0" cy="0"/>
+          <a:chOff x="0" y="0"/>
+          <a:chExt cx="0" cy="0"/>
+        </a:xfrm>
+      </p:grpSpPr>
+      <p:sp>
+        <p:nvSpPr>
+          <p:cNvPr id="240" name="Google Shape;240;gb31d24f82d_0_8:notes"/>
+          <p:cNvSpPr>
+            <a:spLocks noGrp="1" noRot="1" noChangeAspect="1"/>
+          </p:cNvSpPr>
+          <p:nvPr>
+            <p:ph type="sldImg" idx="2"/>
+          </p:nvPr>
+        </p:nvSpPr>
+        <p:spPr>
+          <a:xfrm>
+            <a:off x="381000" y="685800"/>
+            <a:ext cx="6096000" cy="3429000"/>
+          </a:xfrm>
+          <a:custGeom>
+            <a:avLst/>
+            <a:gdLst/>
+            <a:ahLst/>
+            <a:cxnLst/>
+            <a:rect l="l" t="t" r="r" b="b"/>
+            <a:pathLst>
+              <a:path w="120000" h="120000" extrusionOk="0">
+                <a:moveTo>
+                  <a:pt x="0" y="0"/>
+                </a:moveTo>
+                <a:lnTo>
+                  <a:pt x="120000" y="0"/>
+                </a:lnTo>
+                <a:lnTo>
+                  <a:pt x="120000" y="120000"/>
+                </a:lnTo>
+                <a:lnTo>
+                  <a:pt x="0" y="120000"/>
+                </a:lnTo>
+                <a:close/>
+              </a:path>
+            </a:pathLst>
+          </a:custGeom>
+        </p:spPr>
+      </p:sp>
+      <p:sp>
+        <p:nvSpPr>
+          <p:cNvPr id="241" name="Google Shape;241;gb31d24f82d_0_8:notes"/>
+          <p:cNvSpPr txBox="1">
+            <a:spLocks noGrp="1"/>
+          </p:cNvSpPr>
+          <p:nvPr>
+            <p:ph type="body" idx="1"/>
+          </p:nvPr>
+        </p:nvSpPr>
+        <p:spPr>
+          <a:xfrm>
+            <a:off x="685800" y="4343400"/>
+            <a:ext cx="5486400" cy="4114800"/>
+          </a:xfrm>
+          <a:prstGeom prst="rect">
+            <a:avLst/>
+          </a:prstGeom>
+        </p:spPr>
+        <p:txBody>
+          <a:bodyPr spcFirstLastPara="1" wrap="square" lIns="91425" tIns="91425" rIns="91425" bIns="91425" anchor="t" anchorCtr="0">
+            <a:noAutofit/>
+          </a:bodyPr>
+          <a:lstStyle/>
+          <a:p>
+            <a:pPr marL="0" lvl="0" indent="0" algn="l" rtl="0">
+              <a:spcBef>
+                <a:spcPts val="0"/>
+              </a:spcBef>
+              <a:spcAft>
+                <a:spcPts val="0"/>
+              </a:spcAft>
+              <a:buNone/>
+            </a:pPr>
+            <a:endParaRPr dirty="0"/>
+          </a:p>
+        </p:txBody>
+      </p:sp>
+    </p:spTree>
+    <p:extLst>
+      <p:ext uri="{BB962C8B-B14F-4D97-AF65-F5344CB8AC3E}">
+        <p14:creationId xmlns:p14="http://schemas.microsoft.com/office/powerpoint/2010/main" val="59695188"/>
+      </p:ext>
+    </p:extLst>
+  </p:cSld>
+  <p:clrMapOvr>
+    <a:masterClrMapping/>
+  </p:clrMapOvr>
+</p:notes>
+</file>
+
+<file path=ppt/notesSlides/notesSlide14.xml><?xml version="1.0" encoding="utf-8"?>
 <p:notes xmlns:a="http://schemas.openxmlformats.org/drawingml/2006/main" xmlns:r="http://schemas.openxmlformats.org/officeDocument/2006/relationships" xmlns:p="http://schemas.openxmlformats.org/presentationml/2006/main" showMasterSp="0" showMasterPhAnim="0">
   <p:cSld>
     <p:spTree>
@@ -9115,6 +9225,224 @@
   <p:cSld>
     <p:spTree>
       <p:nvGrpSpPr>
+        <p:cNvPr id="1" name="Shape 242"/>
+        <p:cNvGrpSpPr/>
+        <p:nvPr/>
+      </p:nvGrpSpPr>
+      <p:grpSpPr>
+        <a:xfrm>
+          <a:off x="0" y="0"/>
+          <a:ext cx="0" cy="0"/>
+          <a:chOff x="0" y="0"/>
+          <a:chExt cx="0" cy="0"/>
+        </a:xfrm>
+      </p:grpSpPr>
+      <p:sp>
+        <p:nvSpPr>
+          <p:cNvPr id="243" name="Google Shape;243;p30"/>
+          <p:cNvSpPr txBox="1">
+            <a:spLocks noGrp="1"/>
+          </p:cNvSpPr>
+          <p:nvPr>
+            <p:ph type="title"/>
+          </p:nvPr>
+        </p:nvSpPr>
+        <p:spPr>
+          <a:xfrm>
+            <a:off x="819150" y="845600"/>
+            <a:ext cx="7505700" cy="669900"/>
+          </a:xfrm>
+          <a:prstGeom prst="rect">
+            <a:avLst/>
+          </a:prstGeom>
+        </p:spPr>
+        <p:txBody>
+          <a:bodyPr spcFirstLastPara="1" wrap="square" lIns="91425" tIns="91425" rIns="91425" bIns="91425" anchor="t" anchorCtr="0">
+            <a:noAutofit/>
+          </a:bodyPr>
+          <a:lstStyle/>
+          <a:p>
+            <a:pPr marL="0" lvl="0" indent="0" algn="l" rtl="0">
+              <a:spcBef>
+                <a:spcPts val="0"/>
+              </a:spcBef>
+              <a:spcAft>
+                <a:spcPts val="0"/>
+              </a:spcAft>
+              <a:buNone/>
+            </a:pPr>
+            <a:r>
+              <a:rPr lang="en" dirty="0"/>
+              <a:t>References</a:t>
+            </a:r>
+            <a:endParaRPr dirty="0"/>
+          </a:p>
+        </p:txBody>
+      </p:sp>
+      <p:sp>
+        <p:nvSpPr>
+          <p:cNvPr id="244" name="Google Shape;244;p30"/>
+          <p:cNvSpPr txBox="1"/>
+          <p:nvPr/>
+        </p:nvSpPr>
+        <p:spPr>
+          <a:xfrm>
+            <a:off x="1165400" y="1515500"/>
+            <a:ext cx="6151800" cy="2541300"/>
+          </a:xfrm>
+          <a:prstGeom prst="rect">
+            <a:avLst/>
+          </a:prstGeom>
+          <a:noFill/>
+          <a:ln>
+            <a:noFill/>
+          </a:ln>
+        </p:spPr>
+        <p:txBody>
+          <a:bodyPr spcFirstLastPara="1" wrap="square" lIns="91425" tIns="91425" rIns="91425" bIns="91425" anchor="t" anchorCtr="0">
+            <a:noAutofit/>
+          </a:bodyPr>
+          <a:lstStyle/>
+          <a:p>
+            <a:pPr marL="285750" lvl="0" indent="-285750" algn="l" rtl="0">
+              <a:spcBef>
+                <a:spcPts val="1600"/>
+              </a:spcBef>
+              <a:spcAft>
+                <a:spcPts val="0"/>
+              </a:spcAft>
+              <a:buFontTx/>
+              <a:buChar char="-"/>
+            </a:pPr>
+            <a:r>
+              <a:rPr lang="en-CA" dirty="0">
+                <a:solidFill>
+                  <a:srgbClr val="24292E"/>
+                </a:solidFill>
+                <a:highlight>
+                  <a:srgbClr val="FFFFFF"/>
+                </a:highlight>
+                <a:latin typeface="Arial"/>
+                <a:ea typeface="Arial"/>
+                <a:cs typeface="Arial"/>
+                <a:sym typeface="Arial"/>
+                <a:hlinkClick r:id="rId3"/>
+              </a:rPr>
+              <a:t>https://www.investopedia.com/terms/e/environmental-social-and-governance-esg-criteria.asp</a:t>
+            </a:r>
+            <a:endParaRPr lang="en-CA" dirty="0">
+              <a:solidFill>
+                <a:srgbClr val="24292E"/>
+              </a:solidFill>
+              <a:highlight>
+                <a:srgbClr val="FFFFFF"/>
+              </a:highlight>
+              <a:latin typeface="Arial"/>
+              <a:ea typeface="Arial"/>
+              <a:cs typeface="Arial"/>
+              <a:sym typeface="Arial"/>
+            </a:endParaRPr>
+          </a:p>
+          <a:p>
+            <a:pPr marL="285750" lvl="0" indent="-285750" algn="l" rtl="0">
+              <a:spcBef>
+                <a:spcPts val="1600"/>
+              </a:spcBef>
+              <a:spcAft>
+                <a:spcPts val="0"/>
+              </a:spcAft>
+              <a:buFontTx/>
+              <a:buChar char="-"/>
+            </a:pPr>
+            <a:r>
+              <a:rPr lang="en-CA" dirty="0">
+                <a:solidFill>
+                  <a:srgbClr val="24292E"/>
+                </a:solidFill>
+                <a:highlight>
+                  <a:srgbClr val="FFFFFF"/>
+                </a:highlight>
+                <a:latin typeface="Arial"/>
+                <a:ea typeface="Arial"/>
+                <a:cs typeface="Arial"/>
+                <a:sym typeface="Arial"/>
+                <a:hlinkClick r:id="rId4"/>
+              </a:rPr>
+              <a:t>https://ca.finance.yahoo.com/</a:t>
+            </a:r>
+            <a:endParaRPr lang="en-CA" dirty="0">
+              <a:solidFill>
+                <a:srgbClr val="24292E"/>
+              </a:solidFill>
+              <a:highlight>
+                <a:srgbClr val="FFFFFF"/>
+              </a:highlight>
+              <a:latin typeface="Arial"/>
+              <a:ea typeface="Arial"/>
+              <a:cs typeface="Arial"/>
+              <a:sym typeface="Arial"/>
+            </a:endParaRPr>
+          </a:p>
+          <a:p>
+            <a:pPr marL="285750" lvl="0" indent="-285750" algn="l" rtl="0">
+              <a:spcBef>
+                <a:spcPts val="1600"/>
+              </a:spcBef>
+              <a:spcAft>
+                <a:spcPts val="0"/>
+              </a:spcAft>
+              <a:buFontTx/>
+              <a:buChar char="-"/>
+            </a:pPr>
+            <a:r>
+              <a:rPr lang="en-CA" dirty="0">
+                <a:solidFill>
+                  <a:srgbClr val="24292E"/>
+                </a:solidFill>
+                <a:highlight>
+                  <a:srgbClr val="FFFFFF"/>
+                </a:highlight>
+                <a:latin typeface="Arial"/>
+                <a:ea typeface="Arial"/>
+                <a:cs typeface="Arial"/>
+                <a:sym typeface="Arial"/>
+                <a:hlinkClick r:id="rId4"/>
+              </a:rPr>
+              <a:t>https://ca.finance.yahoo.com/</a:t>
+            </a:r>
+            <a:endParaRPr lang="en-CA" dirty="0">
+              <a:solidFill>
+                <a:srgbClr val="24292E"/>
+              </a:solidFill>
+              <a:highlight>
+                <a:srgbClr val="FFFFFF"/>
+              </a:highlight>
+              <a:latin typeface="Arial"/>
+              <a:ea typeface="Arial"/>
+              <a:cs typeface="Arial"/>
+              <a:sym typeface="Arial"/>
+            </a:endParaRPr>
+          </a:p>
+        </p:txBody>
+      </p:sp>
+    </p:spTree>
+    <p:extLst>
+      <p:ext uri="{BB962C8B-B14F-4D97-AF65-F5344CB8AC3E}">
+        <p14:creationId xmlns:p14="http://schemas.microsoft.com/office/powerpoint/2010/main" val="3785333145"/>
+      </p:ext>
+    </p:extLst>
+  </p:cSld>
+  <p:clrMapOvr>
+    <a:masterClrMapping/>
+  </p:clrMapOvr>
+</p:sld>
+</file>
+
+<file path=ppt/slides/slide14.xml><?xml version="1.0" encoding="utf-8"?>
+<p:sld xmlns:a="http://schemas.openxmlformats.org/drawingml/2006/main" xmlns:r="http://schemas.openxmlformats.org/officeDocument/2006/relationships" xmlns:p="http://schemas.openxmlformats.org/presentationml/2006/main">
+  <p:cSld>
+    <p:spTree>
+      <p:nvGrpSpPr>
         <p:cNvPr id="1" name="Shape 176"/>
         <p:cNvGrpSpPr/>
         <p:nvPr/>
@@ -9256,6 +9584,10 @@
           </p:nvPr>
         </p:nvSpPr>
         <p:spPr>
+          <a:xfrm>
+            <a:off x="819150" y="1644162"/>
+            <a:ext cx="7505700" cy="2794563"/>
+          </a:xfrm>
           <a:prstGeom prst="rect">
             <a:avLst/>
           </a:prstGeom>
@@ -9356,7 +9688,7 @@
               </a:lnSpc>
             </a:pPr>
             <a:r>
-              <a:rPr lang="en">
+              <a:rPr lang="en" dirty="0">
                 <a:solidFill>
                   <a:srgbClr val="24292E"/>
                 </a:solidFill>
@@ -9366,14 +9698,6 @@
               </a:rPr>
               <a:t>Create a profitable stock portfolio centred around possitive ESG.</a:t>
             </a:r>
-            <a:endParaRPr lang="en" dirty="0">
-              <a:solidFill>
-                <a:srgbClr val="24292E"/>
-              </a:solidFill>
-              <a:highlight>
-                <a:srgbClr val="FFFFFF"/>
-              </a:highlight>
-            </a:endParaRPr>
           </a:p>
         </p:txBody>
       </p:sp>
@@ -10091,8 +10415,8 @@
         </p:nvSpPr>
         <p:spPr>
           <a:xfrm>
-            <a:off x="819150" y="2169885"/>
-            <a:ext cx="7505700" cy="2268839"/>
+            <a:off x="819150" y="1863969"/>
+            <a:ext cx="7505700" cy="2574755"/>
           </a:xfrm>
           <a:prstGeom prst="rect">
             <a:avLst/>
@@ -10385,7 +10709,7 @@
       </p:sp>
       <p:pic>
         <p:nvPicPr>
-          <p:cNvPr id="8" name="Picture 7" descr="ERD Diagram for Tables in Postgres">
+          <p:cNvPr id="8" name="Picture 7">
             <a:extLst>
               <a:ext uri="{FF2B5EF4-FFF2-40B4-BE49-F238E27FC236}">
                 <a16:creationId xmlns:a16="http://schemas.microsoft.com/office/drawing/2014/main" id="{F15C1FF2-DD0E-44E6-9B8F-9F13C6BF0730}"/>
@@ -10399,14 +10723,13 @@
         </p:nvPicPr>
         <p:blipFill>
           <a:blip r:embed="rId3"/>
-          <a:stretch>
-            <a:fillRect/>
-          </a:stretch>
+          <a:srcRect/>
+          <a:stretch/>
         </p:blipFill>
         <p:spPr>
           <a:xfrm>
-            <a:off x="3423734" y="255080"/>
-            <a:ext cx="5049916" cy="4427139"/>
+            <a:off x="3423734" y="409111"/>
+            <a:ext cx="5049916" cy="4119076"/>
           </a:xfrm>
           <a:prstGeom prst="rect">
             <a:avLst/>

--- a/ESG_Slides.pptx
+++ b/ESG_Slides.pptx
@@ -9660,7 +9660,7 @@
                   <a:srgbClr val="FFFFFF"/>
                 </a:highlight>
               </a:rPr>
-              <a:t>Review a portfolio of stocks to determine who stustainable your market portfolio can be.</a:t>
+              <a:t>Review a portfolio of stocks to determine how stustainable your market portfolio can be.</a:t>
             </a:r>
           </a:p>
           <a:p>
@@ -9696,7 +9696,7 @@
                   <a:srgbClr val="FFFFFF"/>
                 </a:highlight>
               </a:rPr>
-              <a:t>Create a profitable stock portfolio centred around possitive ESG.</a:t>
+              <a:t>Create a profitable stock portfolio centred around positive ESG.</a:t>
             </a:r>
           </a:p>
         </p:txBody>
